--- a/ScienceQuests.pptx
+++ b/ScienceQuests.pptx
@@ -4667,8 +4667,8 @@
           </a:prstGeom>
         </p:spPr>
       </p:pic>
-      <mc:AlternateContent xmlns:mc="http://schemas.openxmlformats.org/markup-compatibility/2006">
-        <mc:Choice xmlns:p14="http://schemas.microsoft.com/office/powerpoint/2010/main" Requires="p14">
+      <mc:AlternateContent xmlns:mc="http://schemas.openxmlformats.org/markup-compatibility/2006" xmlns:p14="http://schemas.microsoft.com/office/powerpoint/2010/main">
+        <mc:Choice Requires="p14">
           <p:contentPart p14:bwMode="auto" r:id="rId6">
             <p14:nvContentPartPr>
               <p14:cNvPr id="4" name="Cerneală 3">
@@ -4687,7 +4687,7 @@
             </p14:xfrm>
           </p:contentPart>
         </mc:Choice>
-        <mc:Fallback>
+        <mc:Fallback xmlns="">
           <p:pic>
             <p:nvPicPr>
               <p:cNvPr id="4" name="Cerneală 3">
@@ -4718,8 +4718,8 @@
           </p:pic>
         </mc:Fallback>
       </mc:AlternateContent>
-      <mc:AlternateContent xmlns:mc="http://schemas.openxmlformats.org/markup-compatibility/2006">
-        <mc:Choice xmlns:p14="http://schemas.microsoft.com/office/powerpoint/2010/main" Requires="p14">
+      <mc:AlternateContent xmlns:mc="http://schemas.openxmlformats.org/markup-compatibility/2006" xmlns:p14="http://schemas.microsoft.com/office/powerpoint/2010/main">
+        <mc:Choice Requires="p14">
           <p:contentPart p14:bwMode="auto" r:id="rId8">
             <p14:nvContentPartPr>
               <p14:cNvPr id="8" name="Cerneală 7">
@@ -4738,7 +4738,7 @@
             </p14:xfrm>
           </p:contentPart>
         </mc:Choice>
-        <mc:Fallback>
+        <mc:Fallback xmlns="">
           <p:pic>
             <p:nvPicPr>
               <p:cNvPr id="8" name="Cerneală 7">
@@ -4769,8 +4769,8 @@
           </p:pic>
         </mc:Fallback>
       </mc:AlternateContent>
-      <mc:AlternateContent xmlns:mc="http://schemas.openxmlformats.org/markup-compatibility/2006">
-        <mc:Choice xmlns:p14="http://schemas.microsoft.com/office/powerpoint/2010/main" Requires="p14">
+      <mc:AlternateContent xmlns:mc="http://schemas.openxmlformats.org/markup-compatibility/2006" xmlns:p14="http://schemas.microsoft.com/office/powerpoint/2010/main">
+        <mc:Choice Requires="p14">
           <p:contentPart p14:bwMode="auto" r:id="rId10">
             <p14:nvContentPartPr>
               <p14:cNvPr id="9" name="Cerneală 8">
@@ -4789,7 +4789,7 @@
             </p14:xfrm>
           </p:contentPart>
         </mc:Choice>
-        <mc:Fallback>
+        <mc:Fallback xmlns="">
           <p:pic>
             <p:nvPicPr>
               <p:cNvPr id="9" name="Cerneală 8">
@@ -6139,13 +6139,13 @@
   <p:clrMapOvr>
     <a:masterClrMapping/>
   </p:clrMapOvr>
-  <mc:AlternateContent xmlns:mc="http://schemas.openxmlformats.org/markup-compatibility/2006">
-    <mc:Choice xmlns:p159="http://schemas.microsoft.com/office/powerpoint/2015/09/main" Requires="p159">
+  <mc:AlternateContent xmlns:mc="http://schemas.openxmlformats.org/markup-compatibility/2006" xmlns:p159="http://schemas.microsoft.com/office/powerpoint/2015/09/main">
+    <mc:Choice Requires="p159">
       <p:transition xmlns:p14="http://schemas.microsoft.com/office/powerpoint/2010/main" spd="slow" p14:dur="2000">
         <p159:morph option="byObject"/>
       </p:transition>
     </mc:Choice>
-    <mc:Fallback>
+    <mc:Fallback xmlns="">
       <p:transition spd="slow">
         <p:fade/>
       </p:transition>
@@ -6965,13 +6965,13 @@
   <p:clrMapOvr>
     <a:masterClrMapping/>
   </p:clrMapOvr>
-  <mc:AlternateContent xmlns:mc="http://schemas.openxmlformats.org/markup-compatibility/2006">
-    <mc:Choice xmlns:p159="http://schemas.microsoft.com/office/powerpoint/2015/09/main" Requires="p159">
+  <mc:AlternateContent xmlns:mc="http://schemas.openxmlformats.org/markup-compatibility/2006" xmlns:p159="http://schemas.microsoft.com/office/powerpoint/2015/09/main">
+    <mc:Choice Requires="p159">
       <p:transition xmlns:p14="http://schemas.microsoft.com/office/powerpoint/2010/main" spd="slow" p14:dur="2000">
         <p159:morph option="byObject"/>
       </p:transition>
     </mc:Choice>
-    <mc:Fallback>
+    <mc:Fallback xmlns="">
       <p:transition spd="slow">
         <p:fade/>
       </p:transition>
@@ -7505,13 +7505,13 @@
   <p:clrMapOvr>
     <a:masterClrMapping/>
   </p:clrMapOvr>
-  <mc:AlternateContent xmlns:mc="http://schemas.openxmlformats.org/markup-compatibility/2006">
-    <mc:Choice xmlns:p159="http://schemas.microsoft.com/office/powerpoint/2015/09/main" Requires="p159">
+  <mc:AlternateContent xmlns:mc="http://schemas.openxmlformats.org/markup-compatibility/2006" xmlns:p159="http://schemas.microsoft.com/office/powerpoint/2015/09/main">
+    <mc:Choice Requires="p159">
       <p:transition xmlns:p14="http://schemas.microsoft.com/office/powerpoint/2010/main" spd="slow" p14:dur="2000">
         <p159:morph option="byObject"/>
       </p:transition>
     </mc:Choice>
-    <mc:Fallback>
+    <mc:Fallback xmlns="">
       <p:transition spd="slow">
         <p:fade/>
       </p:transition>
@@ -7677,7 +7677,7 @@
         <p:spPr>
           <a:xfrm>
             <a:off x="636710" y="3011654"/>
-            <a:ext cx="8014464" cy="1569660"/>
+            <a:ext cx="8014464" cy="1938992"/>
           </a:xfrm>
           <a:prstGeom prst="rect">
             <a:avLst/>
@@ -7750,6 +7750,20 @@
               </a:rPr>
               <a:t>: </a:t>
             </a:r>
+            <a:r>
+              <a:rPr lang="ro-RO" sz="2400" dirty="0">
+                <a:solidFill>
+                  <a:schemeClr val="bg1"/>
+                </a:solidFill>
+                <a:hlinkClick r:id="rId5"/>
+              </a:rPr>
+              <a:t>https://youtu.be/nTsHQOLqoOo</a:t>
+            </a:r>
+            <a:endParaRPr lang="ro-RO" sz="2400" dirty="0">
+              <a:solidFill>
+                <a:schemeClr val="bg1"/>
+              </a:solidFill>
+            </a:endParaRPr>
           </a:p>
         </p:txBody>
       </p:sp>
@@ -7768,7 +7782,7 @@
           <p:nvPr/>
         </p:nvPicPr>
         <p:blipFill>
-          <a:blip r:embed="rId5">
+          <a:blip r:embed="rId6">
             <a:extLst>
               <a:ext uri="{28A0092B-C50C-407E-A947-70E740481C1C}">
                 <a14:useLocalDpi xmlns:a14="http://schemas.microsoft.com/office/drawing/2010/main" val="0"/>
@@ -7799,13 +7813,13 @@
   <p:clrMapOvr>
     <a:masterClrMapping/>
   </p:clrMapOvr>
-  <mc:AlternateContent xmlns:mc="http://schemas.openxmlformats.org/markup-compatibility/2006">
-    <mc:Choice xmlns:p159="http://schemas.microsoft.com/office/powerpoint/2015/09/main" Requires="p159">
+  <mc:AlternateContent xmlns:mc="http://schemas.openxmlformats.org/markup-compatibility/2006" xmlns:p159="http://schemas.microsoft.com/office/powerpoint/2015/09/main">
+    <mc:Choice Requires="p159">
       <p:transition xmlns:p14="http://schemas.microsoft.com/office/powerpoint/2010/main" spd="slow" p14:dur="2000">
         <p159:morph option="byObject"/>
       </p:transition>
     </mc:Choice>
-    <mc:Fallback>
+    <mc:Fallback xmlns="">
       <p:transition spd="slow">
         <p:fade/>
       </p:transition>
@@ -8146,13 +8160,13 @@
   <p:clrMapOvr>
     <a:masterClrMapping/>
   </p:clrMapOvr>
-  <mc:AlternateContent xmlns:mc="http://schemas.openxmlformats.org/markup-compatibility/2006">
-    <mc:Choice xmlns:p159="http://schemas.microsoft.com/office/powerpoint/2015/09/main" Requires="p159">
+  <mc:AlternateContent xmlns:mc="http://schemas.openxmlformats.org/markup-compatibility/2006" xmlns:p159="http://schemas.microsoft.com/office/powerpoint/2015/09/main">
+    <mc:Choice Requires="p159">
       <p:transition xmlns:p14="http://schemas.microsoft.com/office/powerpoint/2010/main" spd="slow" p14:dur="2000">
         <p159:morph option="byObject"/>
       </p:transition>
     </mc:Choice>
-    <mc:Fallback>
+    <mc:Fallback xmlns="">
       <p:transition spd="slow">
         <p:fade/>
       </p:transition>

--- a/ScienceQuests.pptx
+++ b/ScienceQuests.pptx
@@ -120,93 +120,6 @@
     </p:ext>
   </p:extLst>
 </p:presentation>
-</file>
-
-<file path=ppt/ink/ink1.xml><?xml version="1.0" encoding="utf-8"?>
-<inkml:ink xmlns:inkml="http://www.w3.org/2003/InkML">
-  <inkml:definitions>
-    <inkml:context xml:id="ctx0">
-      <inkml:inkSource xml:id="inkSrc0">
-        <inkml:traceFormat>
-          <inkml:channel name="X" type="integer" min="-2.14748E9" max="2.14748E9" units="cm"/>
-          <inkml:channel name="Y" type="integer" min="-2.14748E9" max="2.14748E9" units="cm"/>
-        </inkml:traceFormat>
-        <inkml:channelProperties>
-          <inkml:channelProperty channel="X" name="resolution" value="1000" units="1/cm"/>
-          <inkml:channelProperty channel="Y" name="resolution" value="1000" units="1/cm"/>
-        </inkml:channelProperties>
-      </inkml:inkSource>
-      <inkml:timestamp xml:id="ts0" timeString="2026-02-10T14:58:13.037"/>
-    </inkml:context>
-    <inkml:brush xml:id="br0">
-      <inkml:brushProperty name="width" value="0.3" units="cm"/>
-      <inkml:brushProperty name="height" value="0.6" units="cm"/>
-      <inkml:brushProperty name="color" value="#FFFC00"/>
-      <inkml:brushProperty name="tip" value="rectangle"/>
-      <inkml:brushProperty name="rasterOp" value="maskPen"/>
-      <inkml:brushProperty name="ignorePressure" value="1"/>
-    </inkml:brush>
-  </inkml:definitions>
-  <inkml:trace contextRef="#ctx0" brushRef="#br0">2697 0,'43'48,"69"100,-3-2,-7-34,5-5,209 163,277 148,-407-292,991 744,-1141-840,51 53,-87-83,1 0,-1 0,1 1,-1-1,0 1,1-1,-1 0,0 1,0-1,1 1,-1-1,0 0,0 1,1-1,-1 1,0-1,0 1,0-1,0 1,0-1,0 1,0-1,0 1,0-1,0 1,0-1,0 1,0-1,0 1,-1-1,1 1,0 0,-17 6,-29-6,44-1,-80-7,0-4,-129-33,100 18,-170-37,-83-22,-2936-691,3141 739,-246-60,22-26,302 86,36 8</inkml:trace>
-</inkml:ink>
-</file>
-
-<file path=ppt/ink/ink2.xml><?xml version="1.0" encoding="utf-8"?>
-<inkml:ink xmlns:inkml="http://www.w3.org/2003/InkML">
-  <inkml:definitions>
-    <inkml:context xml:id="ctx0">
-      <inkml:inkSource xml:id="inkSrc0">
-        <inkml:traceFormat>
-          <inkml:channel name="X" type="integer" min="-2.14748E9" max="2.14748E9" units="cm"/>
-          <inkml:channel name="Y" type="integer" min="-2.14748E9" max="2.14748E9" units="cm"/>
-        </inkml:traceFormat>
-        <inkml:channelProperties>
-          <inkml:channelProperty channel="X" name="resolution" value="1000" units="1/cm"/>
-          <inkml:channelProperty channel="Y" name="resolution" value="1000" units="1/cm"/>
-        </inkml:channelProperties>
-      </inkml:inkSource>
-      <inkml:timestamp xml:id="ts0" timeString="2026-02-10T14:58:13.498"/>
-    </inkml:context>
-    <inkml:brush xml:id="br0">
-      <inkml:brushProperty name="width" value="0.3" units="cm"/>
-      <inkml:brushProperty name="height" value="0.6" units="cm"/>
-      <inkml:brushProperty name="color" value="#FFFC00"/>
-      <inkml:brushProperty name="tip" value="rectangle"/>
-      <inkml:brushProperty name="rasterOp" value="maskPen"/>
-      <inkml:brushProperty name="ignorePressure" value="1"/>
-    </inkml:brush>
-  </inkml:definitions>
-  <inkml:trace contextRef="#ctx0" brushRef="#br0">1 1,'343'0,"1009"9,-9 69,183 125,-1264-161</inkml:trace>
-</inkml:ink>
-</file>
-
-<file path=ppt/ink/ink3.xml><?xml version="1.0" encoding="utf-8"?>
-<inkml:ink xmlns:inkml="http://www.w3.org/2003/InkML">
-  <inkml:definitions>
-    <inkml:context xml:id="ctx0">
-      <inkml:inkSource xml:id="inkSrc0">
-        <inkml:traceFormat>
-          <inkml:channel name="X" type="integer" min="-2.14748E9" max="2.14748E9" units="cm"/>
-          <inkml:channel name="Y" type="integer" min="-2.14748E9" max="2.14748E9" units="cm"/>
-        </inkml:traceFormat>
-        <inkml:channelProperties>
-          <inkml:channelProperty channel="X" name="resolution" value="1000" units="1/cm"/>
-          <inkml:channelProperty channel="Y" name="resolution" value="1000" units="1/cm"/>
-        </inkml:channelProperties>
-      </inkml:inkSource>
-      <inkml:timestamp xml:id="ts0" timeString="2026-02-10T14:58:15.045"/>
-    </inkml:context>
-    <inkml:brush xml:id="br0">
-      <inkml:brushProperty name="width" value="0.3" units="cm"/>
-      <inkml:brushProperty name="height" value="0.6" units="cm"/>
-      <inkml:brushProperty name="color" value="#FFFC00"/>
-      <inkml:brushProperty name="tip" value="rectangle"/>
-      <inkml:brushProperty name="rasterOp" value="maskPen"/>
-      <inkml:brushProperty name="ignorePressure" value="1"/>
-    </inkml:brush>
-  </inkml:definitions>
-  <inkml:trace contextRef="#ctx0" brushRef="#br0">3303 0,'-3'74,"-2"0,-24 110,-50 140,64-268,-42 160,-234 925,69 19,-28 1165,172-1496,52-575,-27 312,54-532,-1-34,0 0,0 0,0 1,0-1,0 0,1 0,-1 1,0-1,0 0,0 0,0 0,0 1,1-1,-1 0,0 0,0 0,0 1,0-1,1 0,-1 0,0 0,0 0,1 0,-1 0,0 1,0-1,1 0,-1 0,0 0,0 0,1 0,-1 0,0 0,0 0,1 0,-1 0,0 0,0 0,1 0,-1-1,0 1,0 0,0 0,1 0,-1 0,0 0,0 0,0-1,1 1,6-7,-1 0,0 0,-1 0,8-12,-2 1,299-418,384-415,-469 611,9 9,521-392,277-21,-1003 625,-60 30,-4 2,-34 8,-2-3,-143 17,-163-17,53-25,-419-65,-318-115,-120-75,35-102,1118 354,-23-10,0-2,-55-32,102 52,-1 0,1-1,0 0,1 0,-1 0,0 0,1-1,0 1,-5-8,8 10,-1 0,1-1,-1 1,1-1,-1 0,1 1,0-1,0 1,0-1,0 1,0-1,0 1,1-1,-1 0,0 1,1-1,-1 1,1 0,0-1,-1 1,1-1,0 1,0 0,0 0,0-1,0 1,0 0,0 0,0 0,2-1,11-12,6-4,-2-2,17-21,-14 10</inkml:trace>
-</inkml:ink>
 </file>
 
 <file path=ppt/notesMasters/notesMaster1.xml><?xml version="1.0" encoding="utf-8"?>
@@ -4667,159 +4580,6 @@
           </a:prstGeom>
         </p:spPr>
       </p:pic>
-      <mc:AlternateContent xmlns:mc="http://schemas.openxmlformats.org/markup-compatibility/2006" xmlns:p14="http://schemas.microsoft.com/office/powerpoint/2010/main">
-        <mc:Choice Requires="p14">
-          <p:contentPart p14:bwMode="auto" r:id="rId6">
-            <p14:nvContentPartPr>
-              <p14:cNvPr id="4" name="Cerneală 3">
-                <a:extLst>
-                  <a:ext uri="{FF2B5EF4-FFF2-40B4-BE49-F238E27FC236}">
-                    <a16:creationId xmlns:a16="http://schemas.microsoft.com/office/drawing/2014/main" id="{6D607B0E-FD4C-7034-E4E1-DE725E50C8A9}"/>
-                  </a:ext>
-                </a:extLst>
-              </p14:cNvPr>
-              <p14:cNvContentPartPr/>
-              <p14:nvPr/>
-            </p14:nvContentPartPr>
-            <p14:xfrm>
-              <a:off x="751014" y="1809237"/>
-              <a:ext cx="2005560" cy="857520"/>
-            </p14:xfrm>
-          </p:contentPart>
-        </mc:Choice>
-        <mc:Fallback xmlns="">
-          <p:pic>
-            <p:nvPicPr>
-              <p:cNvPr id="4" name="Cerneală 3">
-                <a:extLst>
-                  <a:ext uri="{FF2B5EF4-FFF2-40B4-BE49-F238E27FC236}">
-                    <a16:creationId xmlns:a16="http://schemas.microsoft.com/office/drawing/2014/main" id="{6D607B0E-FD4C-7034-E4E1-DE725E50C8A9}"/>
-                  </a:ext>
-                </a:extLst>
-              </p:cNvPr>
-              <p:cNvPicPr/>
-              <p:nvPr/>
-            </p:nvPicPr>
-            <p:blipFill>
-              <a:blip r:embed="rId7"/>
-              <a:stretch>
-                <a:fillRect/>
-              </a:stretch>
-            </p:blipFill>
-            <p:spPr>
-              <a:xfrm>
-                <a:off x="697014" y="1701237"/>
-                <a:ext cx="2113200" cy="1073160"/>
-              </a:xfrm>
-              <a:prstGeom prst="rect">
-                <a:avLst/>
-              </a:prstGeom>
-            </p:spPr>
-          </p:pic>
-        </mc:Fallback>
-      </mc:AlternateContent>
-      <mc:AlternateContent xmlns:mc="http://schemas.openxmlformats.org/markup-compatibility/2006" xmlns:p14="http://schemas.microsoft.com/office/powerpoint/2010/main">
-        <mc:Choice Requires="p14">
-          <p:contentPart p14:bwMode="auto" r:id="rId8">
-            <p14:nvContentPartPr>
-              <p14:cNvPr id="8" name="Cerneală 7">
-                <a:extLst>
-                  <a:ext uri="{FF2B5EF4-FFF2-40B4-BE49-F238E27FC236}">
-                    <a16:creationId xmlns:a16="http://schemas.microsoft.com/office/drawing/2014/main" id="{0ABCC103-EDB5-E91F-0B0C-44A3E4CACA9A}"/>
-                  </a:ext>
-                </a:extLst>
-              </p14:cNvPr>
-              <p14:cNvContentPartPr/>
-              <p14:nvPr/>
-            </p14:nvContentPartPr>
-            <p14:xfrm>
-              <a:off x="855774" y="2081397"/>
-              <a:ext cx="1737720" cy="119880"/>
-            </p14:xfrm>
-          </p:contentPart>
-        </mc:Choice>
-        <mc:Fallback xmlns="">
-          <p:pic>
-            <p:nvPicPr>
-              <p:cNvPr id="8" name="Cerneală 7">
-                <a:extLst>
-                  <a:ext uri="{FF2B5EF4-FFF2-40B4-BE49-F238E27FC236}">
-                    <a16:creationId xmlns:a16="http://schemas.microsoft.com/office/drawing/2014/main" id="{0ABCC103-EDB5-E91F-0B0C-44A3E4CACA9A}"/>
-                  </a:ext>
-                </a:extLst>
-              </p:cNvPr>
-              <p:cNvPicPr/>
-              <p:nvPr/>
-            </p:nvPicPr>
-            <p:blipFill>
-              <a:blip r:embed="rId9"/>
-              <a:stretch>
-                <a:fillRect/>
-              </a:stretch>
-            </p:blipFill>
-            <p:spPr>
-              <a:xfrm>
-                <a:off x="802134" y="1973757"/>
-                <a:ext cx="1845360" cy="335520"/>
-              </a:xfrm>
-              <a:prstGeom prst="rect">
-                <a:avLst/>
-              </a:prstGeom>
-            </p:spPr>
-          </p:pic>
-        </mc:Fallback>
-      </mc:AlternateContent>
-      <mc:AlternateContent xmlns:mc="http://schemas.openxmlformats.org/markup-compatibility/2006" xmlns:p14="http://schemas.microsoft.com/office/powerpoint/2010/main">
-        <mc:Choice Requires="p14">
-          <p:contentPart p14:bwMode="auto" r:id="rId10">
-            <p14:nvContentPartPr>
-              <p14:cNvPr id="9" name="Cerneală 8">
-                <a:extLst>
-                  <a:ext uri="{FF2B5EF4-FFF2-40B4-BE49-F238E27FC236}">
-                    <a16:creationId xmlns:a16="http://schemas.microsoft.com/office/drawing/2014/main" id="{D330E5CA-A722-EE17-4B2E-1684A317B7A9}"/>
-                  </a:ext>
-                </a:extLst>
-              </p14:cNvPr>
-              <p14:cNvContentPartPr/>
-              <p14:nvPr/>
-            </p14:nvContentPartPr>
-            <p14:xfrm>
-              <a:off x="1194174" y="700437"/>
-              <a:ext cx="1991880" cy="2607480"/>
-            </p14:xfrm>
-          </p:contentPart>
-        </mc:Choice>
-        <mc:Fallback xmlns="">
-          <p:pic>
-            <p:nvPicPr>
-              <p:cNvPr id="9" name="Cerneală 8">
-                <a:extLst>
-                  <a:ext uri="{FF2B5EF4-FFF2-40B4-BE49-F238E27FC236}">
-                    <a16:creationId xmlns:a16="http://schemas.microsoft.com/office/drawing/2014/main" id="{D330E5CA-A722-EE17-4B2E-1684A317B7A9}"/>
-                  </a:ext>
-                </a:extLst>
-              </p:cNvPr>
-              <p:cNvPicPr/>
-              <p:nvPr/>
-            </p:nvPicPr>
-            <p:blipFill>
-              <a:blip r:embed="rId11"/>
-              <a:stretch>
-                <a:fillRect/>
-              </a:stretch>
-            </p:blipFill>
-            <p:spPr>
-              <a:xfrm>
-                <a:off x="1140174" y="592437"/>
-                <a:ext cx="2099520" cy="2823120"/>
-              </a:xfrm>
-              <a:prstGeom prst="rect">
-                <a:avLst/>
-              </a:prstGeom>
-            </p:spPr>
-          </p:pic>
-        </mc:Fallback>
-      </mc:AlternateContent>
       <p:sp>
         <p:nvSpPr>
           <p:cNvPr id="15" name="CasetăText 14">
